--- a/documents/Workshop.pptx
+++ b/documents/Workshop.pptx
@@ -8,10 +8,12 @@
     <p:sldId id="262" r:id="rId2"/>
     <p:sldId id="256" r:id="rId3"/>
     <p:sldId id="257" r:id="rId4"/>
-    <p:sldId id="259" r:id="rId5"/>
-    <p:sldId id="260" r:id="rId6"/>
-    <p:sldId id="258" r:id="rId7"/>
-    <p:sldId id="261" r:id="rId8"/>
+    <p:sldId id="263" r:id="rId5"/>
+    <p:sldId id="259" r:id="rId6"/>
+    <p:sldId id="264" r:id="rId7"/>
+    <p:sldId id="260" r:id="rId8"/>
+    <p:sldId id="258" r:id="rId9"/>
+    <p:sldId id="261" r:id="rId10"/>
   </p:sldIdLst>
   <p:sldSz cx="9144000" cy="6858000" type="screen4x3"/>
   <p:notesSz cx="6858000" cy="9144000"/>
@@ -110,6 +112,22 @@
       </a:defRPr>
     </a:lvl9pPr>
   </p:defaultTextStyle>
+  <p:extLst>
+    <p:ext uri="{EFAFB233-063F-42B5-8137-9DF3F51BA10A}">
+      <p15:sldGuideLst xmlns:p15="http://schemas.microsoft.com/office/powerpoint/2012/main">
+        <p15:guide id="1" orient="horz" pos="2160">
+          <p15:clr>
+            <a:srgbClr val="A4A3A4"/>
+          </p15:clr>
+        </p15:guide>
+        <p15:guide id="2" pos="2880">
+          <p15:clr>
+            <a:srgbClr val="A4A3A4"/>
+          </p15:clr>
+        </p15:guide>
+      </p15:sldGuideLst>
+    </p:ext>
+  </p:extLst>
 </p:presentation>
 </file>
 
@@ -151,10 +169,9 @@
           <a:lstStyle/>
           <a:p>
             <a:r>
-              <a:rPr lang="en-US" smtClean="0"/>
+              <a:rPr lang="en-US"/>
               <a:t>Click to edit Master title style</a:t>
             </a:r>
-            <a:endParaRPr lang="en-US"/>
           </a:p>
         </p:txBody>
       </p:sp>
@@ -270,10 +287,9 @@
           </a:lstStyle>
           <a:p>
             <a:r>
-              <a:rPr lang="en-US" smtClean="0"/>
+              <a:rPr lang="en-US"/>
               <a:t>Click to edit Master subtitle style</a:t>
             </a:r>
-            <a:endParaRPr lang="en-US"/>
           </a:p>
         </p:txBody>
       </p:sp>
@@ -294,7 +310,7 @@
           <a:p>
             <a:fld id="{9ED83F70-41DB-5C4E-8739-DE96B689D169}" type="datetimeFigureOut">
               <a:rPr lang="en-US" smtClean="0"/>
-              <a:t>02/04/18</a:t>
+              <a:t>4/4/18</a:t>
             </a:fld>
             <a:endParaRPr lang="en-US"/>
           </a:p>
@@ -388,10 +404,9 @@
           <a:lstStyle/>
           <a:p>
             <a:r>
-              <a:rPr lang="en-US" smtClean="0"/>
+              <a:rPr lang="en-US"/>
               <a:t>Click to edit Master title style</a:t>
             </a:r>
-            <a:endParaRPr lang="en-US"/>
           </a:p>
         </p:txBody>
       </p:sp>
@@ -412,38 +427,37 @@
           <a:p>
             <a:pPr lvl="0"/>
             <a:r>
-              <a:rPr lang="en-US" smtClean="0"/>
+              <a:rPr lang="en-US"/>
               <a:t>Click to edit Master text styles</a:t>
             </a:r>
           </a:p>
           <a:p>
             <a:pPr lvl="1"/>
             <a:r>
-              <a:rPr lang="en-US" smtClean="0"/>
+              <a:rPr lang="en-US"/>
               <a:t>Second level</a:t>
             </a:r>
           </a:p>
           <a:p>
             <a:pPr lvl="2"/>
             <a:r>
-              <a:rPr lang="en-US" smtClean="0"/>
+              <a:rPr lang="en-US"/>
               <a:t>Third level</a:t>
             </a:r>
           </a:p>
           <a:p>
             <a:pPr lvl="3"/>
             <a:r>
-              <a:rPr lang="en-US" smtClean="0"/>
+              <a:rPr lang="en-US"/>
               <a:t>Fourth level</a:t>
             </a:r>
           </a:p>
           <a:p>
             <a:pPr lvl="4"/>
             <a:r>
-              <a:rPr lang="en-US" smtClean="0"/>
+              <a:rPr lang="en-US"/>
               <a:t>Fifth level</a:t>
             </a:r>
-            <a:endParaRPr lang="en-US"/>
           </a:p>
         </p:txBody>
       </p:sp>
@@ -464,7 +478,7 @@
           <a:p>
             <a:fld id="{9ED83F70-41DB-5C4E-8739-DE96B689D169}" type="datetimeFigureOut">
               <a:rPr lang="en-US" smtClean="0"/>
-              <a:t>02/04/18</a:t>
+              <a:t>4/4/18</a:t>
             </a:fld>
             <a:endParaRPr lang="en-US"/>
           </a:p>
@@ -563,10 +577,9 @@
           <a:lstStyle/>
           <a:p>
             <a:r>
-              <a:rPr lang="en-US" smtClean="0"/>
+              <a:rPr lang="en-US"/>
               <a:t>Click to edit Master title style</a:t>
             </a:r>
-            <a:endParaRPr lang="en-US"/>
           </a:p>
         </p:txBody>
       </p:sp>
@@ -592,38 +605,37 @@
           <a:p>
             <a:pPr lvl="0"/>
             <a:r>
-              <a:rPr lang="en-US" smtClean="0"/>
+              <a:rPr lang="en-US"/>
               <a:t>Click to edit Master text styles</a:t>
             </a:r>
           </a:p>
           <a:p>
             <a:pPr lvl="1"/>
             <a:r>
-              <a:rPr lang="en-US" smtClean="0"/>
+              <a:rPr lang="en-US"/>
               <a:t>Second level</a:t>
             </a:r>
           </a:p>
           <a:p>
             <a:pPr lvl="2"/>
             <a:r>
-              <a:rPr lang="en-US" smtClean="0"/>
+              <a:rPr lang="en-US"/>
               <a:t>Third level</a:t>
             </a:r>
           </a:p>
           <a:p>
             <a:pPr lvl="3"/>
             <a:r>
-              <a:rPr lang="en-US" smtClean="0"/>
+              <a:rPr lang="en-US"/>
               <a:t>Fourth level</a:t>
             </a:r>
           </a:p>
           <a:p>
             <a:pPr lvl="4"/>
             <a:r>
-              <a:rPr lang="en-US" smtClean="0"/>
+              <a:rPr lang="en-US"/>
               <a:t>Fifth level</a:t>
             </a:r>
-            <a:endParaRPr lang="en-US"/>
           </a:p>
         </p:txBody>
       </p:sp>
@@ -644,7 +656,7 @@
           <a:p>
             <a:fld id="{9ED83F70-41DB-5C4E-8739-DE96B689D169}" type="datetimeFigureOut">
               <a:rPr lang="en-US" smtClean="0"/>
-              <a:t>02/04/18</a:t>
+              <a:t>4/4/18</a:t>
             </a:fld>
             <a:endParaRPr lang="en-US"/>
           </a:p>
@@ -738,10 +750,9 @@
           <a:lstStyle/>
           <a:p>
             <a:r>
-              <a:rPr lang="en-US" smtClean="0"/>
+              <a:rPr lang="en-US"/>
               <a:t>Click to edit Master title style</a:t>
             </a:r>
-            <a:endParaRPr lang="en-US"/>
           </a:p>
         </p:txBody>
       </p:sp>
@@ -762,38 +773,37 @@
           <a:p>
             <a:pPr lvl="0"/>
             <a:r>
-              <a:rPr lang="en-US" smtClean="0"/>
+              <a:rPr lang="en-US"/>
               <a:t>Click to edit Master text styles</a:t>
             </a:r>
           </a:p>
           <a:p>
             <a:pPr lvl="1"/>
             <a:r>
-              <a:rPr lang="en-US" smtClean="0"/>
+              <a:rPr lang="en-US"/>
               <a:t>Second level</a:t>
             </a:r>
           </a:p>
           <a:p>
             <a:pPr lvl="2"/>
             <a:r>
-              <a:rPr lang="en-US" smtClean="0"/>
+              <a:rPr lang="en-US"/>
               <a:t>Third level</a:t>
             </a:r>
           </a:p>
           <a:p>
             <a:pPr lvl="3"/>
             <a:r>
-              <a:rPr lang="en-US" smtClean="0"/>
+              <a:rPr lang="en-US"/>
               <a:t>Fourth level</a:t>
             </a:r>
           </a:p>
           <a:p>
             <a:pPr lvl="4"/>
             <a:r>
-              <a:rPr lang="en-US" smtClean="0"/>
+              <a:rPr lang="en-US"/>
               <a:t>Fifth level</a:t>
             </a:r>
-            <a:endParaRPr lang="en-US"/>
           </a:p>
         </p:txBody>
       </p:sp>
@@ -814,7 +824,7 @@
           <a:p>
             <a:fld id="{9ED83F70-41DB-5C4E-8739-DE96B689D169}" type="datetimeFigureOut">
               <a:rPr lang="en-US" smtClean="0"/>
-              <a:t>02/04/18</a:t>
+              <a:t>4/4/18</a:t>
             </a:fld>
             <a:endParaRPr lang="en-US"/>
           </a:p>
@@ -917,10 +927,9 @@
           </a:lstStyle>
           <a:p>
             <a:r>
-              <a:rPr lang="en-US" smtClean="0"/>
+              <a:rPr lang="en-US"/>
               <a:t>Click to edit Master title style</a:t>
             </a:r>
-            <a:endParaRPr lang="en-US"/>
           </a:p>
         </p:txBody>
       </p:sp>
@@ -1037,7 +1046,7 @@
           <a:p>
             <a:pPr lvl="0"/>
             <a:r>
-              <a:rPr lang="en-US" smtClean="0"/>
+              <a:rPr lang="en-US"/>
               <a:t>Click to edit Master text styles</a:t>
             </a:r>
           </a:p>
@@ -1060,7 +1069,7 @@
           <a:p>
             <a:fld id="{9ED83F70-41DB-5C4E-8739-DE96B689D169}" type="datetimeFigureOut">
               <a:rPr lang="en-US" smtClean="0"/>
-              <a:t>02/04/18</a:t>
+              <a:t>4/4/18</a:t>
             </a:fld>
             <a:endParaRPr lang="en-US"/>
           </a:p>
@@ -1154,10 +1163,9 @@
           <a:lstStyle/>
           <a:p>
             <a:r>
-              <a:rPr lang="en-US" smtClean="0"/>
+              <a:rPr lang="en-US"/>
               <a:t>Click to edit Master title style</a:t>
             </a:r>
-            <a:endParaRPr lang="en-US"/>
           </a:p>
         </p:txBody>
       </p:sp>
@@ -1211,38 +1219,37 @@
           <a:p>
             <a:pPr lvl="0"/>
             <a:r>
-              <a:rPr lang="en-US" smtClean="0"/>
+              <a:rPr lang="en-US"/>
               <a:t>Click to edit Master text styles</a:t>
             </a:r>
           </a:p>
           <a:p>
             <a:pPr lvl="1"/>
             <a:r>
-              <a:rPr lang="en-US" smtClean="0"/>
+              <a:rPr lang="en-US"/>
               <a:t>Second level</a:t>
             </a:r>
           </a:p>
           <a:p>
             <a:pPr lvl="2"/>
             <a:r>
-              <a:rPr lang="en-US" smtClean="0"/>
+              <a:rPr lang="en-US"/>
               <a:t>Third level</a:t>
             </a:r>
           </a:p>
           <a:p>
             <a:pPr lvl="3"/>
             <a:r>
-              <a:rPr lang="en-US" smtClean="0"/>
+              <a:rPr lang="en-US"/>
               <a:t>Fourth level</a:t>
             </a:r>
           </a:p>
           <a:p>
             <a:pPr lvl="4"/>
             <a:r>
-              <a:rPr lang="en-US" smtClean="0"/>
+              <a:rPr lang="en-US"/>
               <a:t>Fifth level</a:t>
             </a:r>
-            <a:endParaRPr lang="en-US"/>
           </a:p>
         </p:txBody>
       </p:sp>
@@ -1296,38 +1303,37 @@
           <a:p>
             <a:pPr lvl="0"/>
             <a:r>
-              <a:rPr lang="en-US" smtClean="0"/>
+              <a:rPr lang="en-US"/>
               <a:t>Click to edit Master text styles</a:t>
             </a:r>
           </a:p>
           <a:p>
             <a:pPr lvl="1"/>
             <a:r>
-              <a:rPr lang="en-US" smtClean="0"/>
+              <a:rPr lang="en-US"/>
               <a:t>Second level</a:t>
             </a:r>
           </a:p>
           <a:p>
             <a:pPr lvl="2"/>
             <a:r>
-              <a:rPr lang="en-US" smtClean="0"/>
+              <a:rPr lang="en-US"/>
               <a:t>Third level</a:t>
             </a:r>
           </a:p>
           <a:p>
             <a:pPr lvl="3"/>
             <a:r>
-              <a:rPr lang="en-US" smtClean="0"/>
+              <a:rPr lang="en-US"/>
               <a:t>Fourth level</a:t>
             </a:r>
           </a:p>
           <a:p>
             <a:pPr lvl="4"/>
             <a:r>
-              <a:rPr lang="en-US" smtClean="0"/>
+              <a:rPr lang="en-US"/>
               <a:t>Fifth level</a:t>
             </a:r>
-            <a:endParaRPr lang="en-US"/>
           </a:p>
         </p:txBody>
       </p:sp>
@@ -1348,7 +1354,7 @@
           <a:p>
             <a:fld id="{9ED83F70-41DB-5C4E-8739-DE96B689D169}" type="datetimeFigureOut">
               <a:rPr lang="en-US" smtClean="0"/>
-              <a:t>02/04/18</a:t>
+              <a:t>4/4/18</a:t>
             </a:fld>
             <a:endParaRPr lang="en-US"/>
           </a:p>
@@ -1446,10 +1452,9 @@
           </a:lstStyle>
           <a:p>
             <a:r>
-              <a:rPr lang="en-US" smtClean="0"/>
+              <a:rPr lang="en-US"/>
               <a:t>Click to edit Master title style</a:t>
             </a:r>
-            <a:endParaRPr lang="en-US"/>
           </a:p>
         </p:txBody>
       </p:sp>
@@ -1512,7 +1517,7 @@
           <a:p>
             <a:pPr lvl="0"/>
             <a:r>
-              <a:rPr lang="en-US" smtClean="0"/>
+              <a:rPr lang="en-US"/>
               <a:t>Click to edit Master text styles</a:t>
             </a:r>
           </a:p>
@@ -1568,38 +1573,37 @@
           <a:p>
             <a:pPr lvl="0"/>
             <a:r>
-              <a:rPr lang="en-US" smtClean="0"/>
+              <a:rPr lang="en-US"/>
               <a:t>Click to edit Master text styles</a:t>
             </a:r>
           </a:p>
           <a:p>
             <a:pPr lvl="1"/>
             <a:r>
-              <a:rPr lang="en-US" smtClean="0"/>
+              <a:rPr lang="en-US"/>
               <a:t>Second level</a:t>
             </a:r>
           </a:p>
           <a:p>
             <a:pPr lvl="2"/>
             <a:r>
-              <a:rPr lang="en-US" smtClean="0"/>
+              <a:rPr lang="en-US"/>
               <a:t>Third level</a:t>
             </a:r>
           </a:p>
           <a:p>
             <a:pPr lvl="3"/>
             <a:r>
-              <a:rPr lang="en-US" smtClean="0"/>
+              <a:rPr lang="en-US"/>
               <a:t>Fourth level</a:t>
             </a:r>
           </a:p>
           <a:p>
             <a:pPr lvl="4"/>
             <a:r>
-              <a:rPr lang="en-US" smtClean="0"/>
+              <a:rPr lang="en-US"/>
               <a:t>Fifth level</a:t>
             </a:r>
-            <a:endParaRPr lang="en-US"/>
           </a:p>
         </p:txBody>
       </p:sp>
@@ -1662,7 +1666,7 @@
           <a:p>
             <a:pPr lvl="0"/>
             <a:r>
-              <a:rPr lang="en-US" smtClean="0"/>
+              <a:rPr lang="en-US"/>
               <a:t>Click to edit Master text styles</a:t>
             </a:r>
           </a:p>
@@ -1718,38 +1722,37 @@
           <a:p>
             <a:pPr lvl="0"/>
             <a:r>
-              <a:rPr lang="en-US" smtClean="0"/>
+              <a:rPr lang="en-US"/>
               <a:t>Click to edit Master text styles</a:t>
             </a:r>
           </a:p>
           <a:p>
             <a:pPr lvl="1"/>
             <a:r>
-              <a:rPr lang="en-US" smtClean="0"/>
+              <a:rPr lang="en-US"/>
               <a:t>Second level</a:t>
             </a:r>
           </a:p>
           <a:p>
             <a:pPr lvl="2"/>
             <a:r>
-              <a:rPr lang="en-US" smtClean="0"/>
+              <a:rPr lang="en-US"/>
               <a:t>Third level</a:t>
             </a:r>
           </a:p>
           <a:p>
             <a:pPr lvl="3"/>
             <a:r>
-              <a:rPr lang="en-US" smtClean="0"/>
+              <a:rPr lang="en-US"/>
               <a:t>Fourth level</a:t>
             </a:r>
           </a:p>
           <a:p>
             <a:pPr lvl="4"/>
             <a:r>
-              <a:rPr lang="en-US" smtClean="0"/>
+              <a:rPr lang="en-US"/>
               <a:t>Fifth level</a:t>
             </a:r>
-            <a:endParaRPr lang="en-US"/>
           </a:p>
         </p:txBody>
       </p:sp>
@@ -1770,7 +1773,7 @@
           <a:p>
             <a:fld id="{9ED83F70-41DB-5C4E-8739-DE96B689D169}" type="datetimeFigureOut">
               <a:rPr lang="en-US" smtClean="0"/>
-              <a:t>02/04/18</a:t>
+              <a:t>4/4/18</a:t>
             </a:fld>
             <a:endParaRPr lang="en-US"/>
           </a:p>
@@ -1864,10 +1867,9 @@
           <a:lstStyle/>
           <a:p>
             <a:r>
-              <a:rPr lang="en-US" smtClean="0"/>
+              <a:rPr lang="en-US"/>
               <a:t>Click to edit Master title style</a:t>
             </a:r>
-            <a:endParaRPr lang="en-US"/>
           </a:p>
         </p:txBody>
       </p:sp>
@@ -1888,7 +1890,7 @@
           <a:p>
             <a:fld id="{9ED83F70-41DB-5C4E-8739-DE96B689D169}" type="datetimeFigureOut">
               <a:rPr lang="en-US" smtClean="0"/>
-              <a:t>02/04/18</a:t>
+              <a:t>4/4/18</a:t>
             </a:fld>
             <a:endParaRPr lang="en-US"/>
           </a:p>
@@ -1983,7 +1985,7 @@
           <a:p>
             <a:fld id="{9ED83F70-41DB-5C4E-8739-DE96B689D169}" type="datetimeFigureOut">
               <a:rPr lang="en-US" smtClean="0"/>
-              <a:t>02/04/18</a:t>
+              <a:t>4/4/18</a:t>
             </a:fld>
             <a:endParaRPr lang="en-US"/>
           </a:p>
@@ -2086,10 +2088,9 @@
           </a:lstStyle>
           <a:p>
             <a:r>
-              <a:rPr lang="en-US" smtClean="0"/>
+              <a:rPr lang="en-US"/>
               <a:t>Click to edit Master title style</a:t>
             </a:r>
-            <a:endParaRPr lang="en-US"/>
           </a:p>
         </p:txBody>
       </p:sp>
@@ -2143,38 +2144,37 @@
           <a:p>
             <a:pPr lvl="0"/>
             <a:r>
-              <a:rPr lang="en-US" smtClean="0"/>
+              <a:rPr lang="en-US"/>
               <a:t>Click to edit Master text styles</a:t>
             </a:r>
           </a:p>
           <a:p>
             <a:pPr lvl="1"/>
             <a:r>
-              <a:rPr lang="en-US" smtClean="0"/>
+              <a:rPr lang="en-US"/>
               <a:t>Second level</a:t>
             </a:r>
           </a:p>
           <a:p>
             <a:pPr lvl="2"/>
             <a:r>
-              <a:rPr lang="en-US" smtClean="0"/>
+              <a:rPr lang="en-US"/>
               <a:t>Third level</a:t>
             </a:r>
           </a:p>
           <a:p>
             <a:pPr lvl="3"/>
             <a:r>
-              <a:rPr lang="en-US" smtClean="0"/>
+              <a:rPr lang="en-US"/>
               <a:t>Fourth level</a:t>
             </a:r>
           </a:p>
           <a:p>
             <a:pPr lvl="4"/>
             <a:r>
-              <a:rPr lang="en-US" smtClean="0"/>
+              <a:rPr lang="en-US"/>
               <a:t>Fifth level</a:t>
             </a:r>
-            <a:endParaRPr lang="en-US"/>
           </a:p>
         </p:txBody>
       </p:sp>
@@ -2237,7 +2237,7 @@
           <a:p>
             <a:pPr lvl="0"/>
             <a:r>
-              <a:rPr lang="en-US" smtClean="0"/>
+              <a:rPr lang="en-US"/>
               <a:t>Click to edit Master text styles</a:t>
             </a:r>
           </a:p>
@@ -2260,7 +2260,7 @@
           <a:p>
             <a:fld id="{9ED83F70-41DB-5C4E-8739-DE96B689D169}" type="datetimeFigureOut">
               <a:rPr lang="en-US" smtClean="0"/>
-              <a:t>02/04/18</a:t>
+              <a:t>4/4/18</a:t>
             </a:fld>
             <a:endParaRPr lang="en-US"/>
           </a:p>
@@ -2363,10 +2363,9 @@
           </a:lstStyle>
           <a:p>
             <a:r>
-              <a:rPr lang="en-US" smtClean="0"/>
+              <a:rPr lang="en-US"/>
               <a:t>Click to edit Master title style</a:t>
             </a:r>
-            <a:endParaRPr lang="en-US"/>
           </a:p>
         </p:txBody>
       </p:sp>
@@ -2490,7 +2489,7 @@
           <a:p>
             <a:pPr lvl="0"/>
             <a:r>
-              <a:rPr lang="en-US" smtClean="0"/>
+              <a:rPr lang="en-US"/>
               <a:t>Click to edit Master text styles</a:t>
             </a:r>
           </a:p>
@@ -2513,7 +2512,7 @@
           <a:p>
             <a:fld id="{9ED83F70-41DB-5C4E-8739-DE96B689D169}" type="datetimeFigureOut">
               <a:rPr lang="en-US" smtClean="0"/>
-              <a:t>02/04/18</a:t>
+              <a:t>4/4/18</a:t>
             </a:fld>
             <a:endParaRPr lang="en-US"/>
           </a:p>
@@ -2622,10 +2621,9 @@
           <a:lstStyle/>
           <a:p>
             <a:r>
-              <a:rPr lang="en-US" smtClean="0"/>
+              <a:rPr lang="en-US"/>
               <a:t>Click to edit Master title style</a:t>
             </a:r>
-            <a:endParaRPr lang="en-US"/>
           </a:p>
         </p:txBody>
       </p:sp>
@@ -2656,38 +2654,37 @@
           <a:p>
             <a:pPr lvl="0"/>
             <a:r>
-              <a:rPr lang="en-US" smtClean="0"/>
+              <a:rPr lang="en-US"/>
               <a:t>Click to edit Master text styles</a:t>
             </a:r>
           </a:p>
           <a:p>
             <a:pPr lvl="1"/>
             <a:r>
-              <a:rPr lang="en-US" smtClean="0"/>
+              <a:rPr lang="en-US"/>
               <a:t>Second level</a:t>
             </a:r>
           </a:p>
           <a:p>
             <a:pPr lvl="2"/>
             <a:r>
-              <a:rPr lang="en-US" smtClean="0"/>
+              <a:rPr lang="en-US"/>
               <a:t>Third level</a:t>
             </a:r>
           </a:p>
           <a:p>
             <a:pPr lvl="3"/>
             <a:r>
-              <a:rPr lang="en-US" smtClean="0"/>
+              <a:rPr lang="en-US"/>
               <a:t>Fourth level</a:t>
             </a:r>
           </a:p>
           <a:p>
             <a:pPr lvl="4"/>
             <a:r>
-              <a:rPr lang="en-US" smtClean="0"/>
+              <a:rPr lang="en-US"/>
               <a:t>Fifth level</a:t>
             </a:r>
-            <a:endParaRPr lang="en-US"/>
           </a:p>
         </p:txBody>
       </p:sp>
@@ -2726,7 +2723,7 @@
           <a:p>
             <a:fld id="{9ED83F70-41DB-5C4E-8739-DE96B689D169}" type="datetimeFigureOut">
               <a:rPr lang="en-US" smtClean="0"/>
-              <a:t>02/04/18</a:t>
+              <a:t>4/4/18</a:t>
             </a:fld>
             <a:endParaRPr lang="en-US"/>
           </a:p>
@@ -3127,10 +3124,34 @@
                 <a:tableStyleId>{BDBED569-4797-4DF1-A0F4-6AAB3CD982D8}</a:tableStyleId>
               </a:tblPr>
               <a:tblGrid>
-                <a:gridCol w="1694329"/>
-                <a:gridCol w="1694329"/>
-                <a:gridCol w="3771900"/>
-                <a:gridCol w="1069041"/>
+                <a:gridCol w="1694329">
+                  <a:extLst>
+                    <a:ext uri="{9D8B030D-6E8A-4147-A177-3AD203B41FA5}">
+                      <a16:colId xmlns:a16="http://schemas.microsoft.com/office/drawing/2014/main" val="20000"/>
+                    </a:ext>
+                  </a:extLst>
+                </a:gridCol>
+                <a:gridCol w="1694329">
+                  <a:extLst>
+                    <a:ext uri="{9D8B030D-6E8A-4147-A177-3AD203B41FA5}">
+                      <a16:colId xmlns:a16="http://schemas.microsoft.com/office/drawing/2014/main" val="20001"/>
+                    </a:ext>
+                  </a:extLst>
+                </a:gridCol>
+                <a:gridCol w="3771900">
+                  <a:extLst>
+                    <a:ext uri="{9D8B030D-6E8A-4147-A177-3AD203B41FA5}">
+                      <a16:colId xmlns:a16="http://schemas.microsoft.com/office/drawing/2014/main" val="20002"/>
+                    </a:ext>
+                  </a:extLst>
+                </a:gridCol>
+                <a:gridCol w="1069041">
+                  <a:extLst>
+                    <a:ext uri="{9D8B030D-6E8A-4147-A177-3AD203B41FA5}">
+                      <a16:colId xmlns:a16="http://schemas.microsoft.com/office/drawing/2014/main" val="20003"/>
+                    </a:ext>
+                  </a:extLst>
+                </a:gridCol>
               </a:tblGrid>
               <a:tr h="370840">
                 <a:tc>
@@ -3139,10 +3160,9 @@
                     <a:lstStyle/>
                     <a:p>
                       <a:r>
-                        <a:rPr lang="en-US" dirty="0" smtClean="0"/>
+                        <a:rPr lang="en-US" dirty="0"/>
                         <a:t>What</a:t>
                       </a:r>
-                      <a:endParaRPr lang="en-US" dirty="0"/>
                     </a:p>
                   </a:txBody>
                   <a:tcPr/>
@@ -3163,22 +3183,21 @@
                     <a:lstStyle/>
                     <a:p>
                       <a:r>
-                        <a:rPr lang="en-US" dirty="0" err="1" smtClean="0"/>
+                        <a:rPr lang="en-US" dirty="0" err="1"/>
                         <a:t>Ermmm</a:t>
                       </a:r>
                       <a:r>
-                        <a:rPr lang="mr-IN" baseline="0" dirty="0" smtClean="0"/>
+                        <a:rPr lang="mr-IN" baseline="0" dirty="0"/>
                         <a:t>…</a:t>
                       </a:r>
                       <a:r>
-                        <a:rPr lang="en-US" baseline="0" dirty="0" smtClean="0"/>
+                        <a:rPr lang="en-US" baseline="0" dirty="0"/>
                         <a:t> what</a:t>
                       </a:r>
                       <a:r>
-                        <a:rPr lang="en-US" dirty="0" smtClean="0"/>
+                        <a:rPr lang="en-US" dirty="0"/>
                         <a:t>?</a:t>
                       </a:r>
-                      <a:endParaRPr lang="en-US" dirty="0"/>
                     </a:p>
                   </a:txBody>
                   <a:tcPr/>
@@ -3189,14 +3208,18 @@
                     <a:lstStyle/>
                     <a:p>
                       <a:r>
-                        <a:rPr lang="en-US" dirty="0" smtClean="0"/>
+                        <a:rPr lang="en-US" dirty="0"/>
                         <a:t>Who</a:t>
                       </a:r>
-                      <a:endParaRPr lang="en-US" dirty="0"/>
                     </a:p>
                   </a:txBody>
                   <a:tcPr/>
                 </a:tc>
+                <a:extLst>
+                  <a:ext uri="{0D108BD9-81ED-4DB2-BD59-A6C34878D82A}">
+                    <a16:rowId xmlns:a16="http://schemas.microsoft.com/office/drawing/2014/main" val="10000"/>
+                  </a:ext>
+                </a:extLst>
               </a:tr>
               <a:tr h="370840">
                 <a:tc rowSpan="4">
@@ -3205,10 +3228,9 @@
                     <a:lstStyle/>
                     <a:p>
                       <a:r>
-                        <a:rPr lang="en-US" dirty="0" smtClean="0"/>
+                        <a:rPr lang="en-US" dirty="0"/>
                         <a:t>Talk</a:t>
                       </a:r>
-                      <a:endParaRPr lang="en-US" dirty="0"/>
                     </a:p>
                   </a:txBody>
                   <a:tcPr/>
@@ -3229,14 +3251,13 @@
                     <a:lstStyle/>
                     <a:p>
                       <a:r>
-                        <a:rPr lang="en-US" dirty="0" err="1" smtClean="0"/>
+                        <a:rPr lang="en-US" dirty="0" err="1"/>
                         <a:t>WeCode</a:t>
                       </a:r>
                       <a:r>
-                        <a:rPr lang="en-US" dirty="0" smtClean="0"/>
+                        <a:rPr lang="en-US" dirty="0"/>
                         <a:t> Fest</a:t>
                       </a:r>
-                      <a:endParaRPr lang="en-US" dirty="0"/>
                     </a:p>
                   </a:txBody>
                   <a:tcPr/>
@@ -3247,14 +3268,18 @@
                     <a:lstStyle/>
                     <a:p>
                       <a:r>
-                        <a:rPr lang="en-US" dirty="0" smtClean="0"/>
+                        <a:rPr lang="en-US" dirty="0"/>
                         <a:t>All</a:t>
                       </a:r>
-                      <a:endParaRPr lang="en-US" dirty="0"/>
                     </a:p>
                   </a:txBody>
                   <a:tcPr/>
                 </a:tc>
+                <a:extLst>
+                  <a:ext uri="{0D108BD9-81ED-4DB2-BD59-A6C34878D82A}">
+                    <a16:rowId xmlns:a16="http://schemas.microsoft.com/office/drawing/2014/main" val="10001"/>
+                  </a:ext>
+                </a:extLst>
               </a:tr>
               <a:tr h="370840">
                 <a:tc vMerge="1">
@@ -3300,7 +3325,7 @@
                         <a:defRPr/>
                       </a:pPr>
                       <a:r>
-                        <a:rPr lang="en-US" dirty="0" smtClean="0"/>
+                        <a:rPr lang="en-US" dirty="0"/>
                         <a:t>Software economics</a:t>
                       </a:r>
                     </a:p>
@@ -3313,14 +3338,18 @@
                     <a:lstStyle/>
                     <a:p>
                       <a:r>
-                        <a:rPr lang="en-US" dirty="0" smtClean="0"/>
+                        <a:rPr lang="en-US" dirty="0"/>
                         <a:t>All</a:t>
                       </a:r>
-                      <a:endParaRPr lang="en-US" dirty="0"/>
                     </a:p>
                   </a:txBody>
                   <a:tcPr/>
                 </a:tc>
+                <a:extLst>
+                  <a:ext uri="{0D108BD9-81ED-4DB2-BD59-A6C34878D82A}">
+                    <a16:rowId xmlns:a16="http://schemas.microsoft.com/office/drawing/2014/main" val="10002"/>
+                  </a:ext>
+                </a:extLst>
               </a:tr>
               <a:tr h="370840">
                 <a:tc vMerge="1">
@@ -3349,18 +3378,17 @@
                     <a:lstStyle/>
                     <a:p>
                       <a:r>
-                        <a:rPr lang="en-US" dirty="0" smtClean="0"/>
+                        <a:rPr lang="en-US" dirty="0"/>
                         <a:t>String</a:t>
                       </a:r>
                       <a:r>
-                        <a:rPr lang="en-US" baseline="0" dirty="0" smtClean="0"/>
+                        <a:rPr lang="en-US" baseline="0" dirty="0"/>
                         <a:t> </a:t>
                       </a:r>
                       <a:r>
-                        <a:rPr lang="en-US" dirty="0" smtClean="0"/>
+                        <a:rPr lang="en-US" dirty="0"/>
                         <a:t>calculator</a:t>
                       </a:r>
-                      <a:endParaRPr lang="en-US" dirty="0"/>
                     </a:p>
                   </a:txBody>
                   <a:tcPr/>
@@ -3371,14 +3399,18 @@
                     <a:lstStyle/>
                     <a:p>
                       <a:r>
-                        <a:rPr lang="en-US" dirty="0" smtClean="0"/>
+                        <a:rPr lang="en-US" dirty="0"/>
                         <a:t>All</a:t>
                       </a:r>
-                      <a:endParaRPr lang="en-US" dirty="0"/>
                     </a:p>
                   </a:txBody>
                   <a:tcPr/>
                 </a:tc>
+                <a:extLst>
+                  <a:ext uri="{0D108BD9-81ED-4DB2-BD59-A6C34878D82A}">
+                    <a16:rowId xmlns:a16="http://schemas.microsoft.com/office/drawing/2014/main" val="10003"/>
+                  </a:ext>
+                </a:extLst>
               </a:tr>
               <a:tr h="370840">
                 <a:tc vMerge="1">
@@ -3407,10 +3439,9 @@
                     <a:lstStyle/>
                     <a:p>
                       <a:r>
-                        <a:rPr lang="en-US" dirty="0" smtClean="0"/>
+                        <a:rPr lang="en-US" dirty="0"/>
                         <a:t>What is the kata about? Functional programming</a:t>
                       </a:r>
-                      <a:endParaRPr lang="en-US" dirty="0"/>
                     </a:p>
                   </a:txBody>
                   <a:tcPr/>
@@ -3421,14 +3452,18 @@
                     <a:lstStyle/>
                     <a:p>
                       <a:r>
-                        <a:rPr lang="en-US" dirty="0" smtClean="0"/>
+                        <a:rPr lang="en-US" dirty="0"/>
                         <a:t>All</a:t>
                       </a:r>
-                      <a:endParaRPr lang="en-US" dirty="0"/>
                     </a:p>
                   </a:txBody>
                   <a:tcPr/>
                 </a:tc>
+                <a:extLst>
+                  <a:ext uri="{0D108BD9-81ED-4DB2-BD59-A6C34878D82A}">
+                    <a16:rowId xmlns:a16="http://schemas.microsoft.com/office/drawing/2014/main" val="10004"/>
+                  </a:ext>
+                </a:extLst>
               </a:tr>
               <a:tr h="370840">
                 <a:tc rowSpan="6">
@@ -3437,10 +3472,9 @@
                     <a:lstStyle/>
                     <a:p>
                       <a:r>
-                        <a:rPr lang="en-US" dirty="0" smtClean="0"/>
+                        <a:rPr lang="en-US" dirty="0"/>
                         <a:t>Let’s code</a:t>
                       </a:r>
-                      <a:endParaRPr lang="en-US" dirty="0"/>
                     </a:p>
                   </a:txBody>
                   <a:tcPr/>
@@ -3451,10 +3485,9 @@
                     <a:lstStyle/>
                     <a:p>
                       <a:r>
-                        <a:rPr lang="en-US" dirty="0" smtClean="0"/>
+                        <a:rPr lang="en-US" dirty="0"/>
                         <a:t>Step 1</a:t>
                       </a:r>
-                      <a:endParaRPr lang="en-US" dirty="0"/>
                     </a:p>
                   </a:txBody>
                   <a:tcPr/>
@@ -3465,10 +3498,9 @@
                     <a:lstStyle/>
                     <a:p>
                       <a:r>
-                        <a:rPr lang="en-US" dirty="0" smtClean="0"/>
+                        <a:rPr lang="en-US" dirty="0"/>
                         <a:t>Pure functions</a:t>
                       </a:r>
-                      <a:endParaRPr lang="en-US" dirty="0"/>
                     </a:p>
                   </a:txBody>
                   <a:tcPr/>
@@ -3479,14 +3511,18 @@
                     <a:lstStyle/>
                     <a:p>
                       <a:r>
-                        <a:rPr lang="en-US" dirty="0" smtClean="0"/>
+                        <a:rPr lang="en-US" dirty="0"/>
                         <a:t>Carmen</a:t>
                       </a:r>
-                      <a:endParaRPr lang="en-US" dirty="0"/>
                     </a:p>
                   </a:txBody>
                   <a:tcPr/>
                 </a:tc>
+                <a:extLst>
+                  <a:ext uri="{0D108BD9-81ED-4DB2-BD59-A6C34878D82A}">
+                    <a16:rowId xmlns:a16="http://schemas.microsoft.com/office/drawing/2014/main" val="10005"/>
+                  </a:ext>
+                </a:extLst>
               </a:tr>
               <a:tr h="370840">
                 <a:tc vMerge="1">
@@ -3505,10 +3541,9 @@
                     <a:lstStyle/>
                     <a:p>
                       <a:r>
-                        <a:rPr lang="en-US" dirty="0" smtClean="0"/>
+                        <a:rPr lang="en-US" dirty="0"/>
                         <a:t>Step 2</a:t>
                       </a:r>
-                      <a:endParaRPr lang="en-US" dirty="0"/>
                     </a:p>
                   </a:txBody>
                   <a:tcPr/>
@@ -3519,10 +3554,9 @@
                     <a:lstStyle/>
                     <a:p>
                       <a:r>
-                        <a:rPr lang="en-US" dirty="0" smtClean="0"/>
+                        <a:rPr lang="en-US" dirty="0"/>
                         <a:t>Immutability</a:t>
                       </a:r>
-                      <a:endParaRPr lang="en-US" dirty="0"/>
                     </a:p>
                   </a:txBody>
                   <a:tcPr/>
@@ -3533,14 +3567,18 @@
                     <a:lstStyle/>
                     <a:p>
                       <a:r>
-                        <a:rPr lang="en-US" dirty="0" smtClean="0"/>
+                        <a:rPr lang="en-US" dirty="0"/>
                         <a:t>Carmen</a:t>
                       </a:r>
-                      <a:endParaRPr lang="en-US" dirty="0"/>
                     </a:p>
                   </a:txBody>
                   <a:tcPr/>
                 </a:tc>
+                <a:extLst>
+                  <a:ext uri="{0D108BD9-81ED-4DB2-BD59-A6C34878D82A}">
+                    <a16:rowId xmlns:a16="http://schemas.microsoft.com/office/drawing/2014/main" val="10006"/>
+                  </a:ext>
+                </a:extLst>
               </a:tr>
               <a:tr h="370840">
                 <a:tc vMerge="1">
@@ -3559,10 +3597,9 @@
                     <a:lstStyle/>
                     <a:p>
                       <a:r>
-                        <a:rPr lang="en-US" dirty="0" smtClean="0"/>
+                        <a:rPr lang="en-US" dirty="0"/>
                         <a:t>Step 3</a:t>
                       </a:r>
-                      <a:endParaRPr lang="en-US" dirty="0"/>
                     </a:p>
                   </a:txBody>
                   <a:tcPr/>
@@ -3573,14 +3610,9 @@
                     <a:lstStyle/>
                     <a:p>
                       <a:r>
-                        <a:rPr lang="en-US" dirty="0" smtClean="0"/>
-                        <a:t>Immutability with f</a:t>
+                        <a:rPr lang="en-US" dirty="0"/>
+                        <a:t>Immutability with functional style to arrays</a:t>
                       </a:r>
-                      <a:r>
-                        <a:rPr lang="en-US" dirty="0" smtClean="0"/>
-                        <a:t>unctional style to arrays</a:t>
-                      </a:r>
-                      <a:endParaRPr lang="en-US" dirty="0"/>
                     </a:p>
                   </a:txBody>
                   <a:tcPr/>
@@ -3591,14 +3623,18 @@
                     <a:lstStyle/>
                     <a:p>
                       <a:r>
-                        <a:rPr lang="en-US" dirty="0" smtClean="0"/>
+                        <a:rPr lang="en-US" dirty="0"/>
                         <a:t>Josu</a:t>
                       </a:r>
-                      <a:endParaRPr lang="en-US" dirty="0"/>
                     </a:p>
                   </a:txBody>
                   <a:tcPr/>
                 </a:tc>
+                <a:extLst>
+                  <a:ext uri="{0D108BD9-81ED-4DB2-BD59-A6C34878D82A}">
+                    <a16:rowId xmlns:a16="http://schemas.microsoft.com/office/drawing/2014/main" val="10007"/>
+                  </a:ext>
+                </a:extLst>
               </a:tr>
               <a:tr h="370840">
                 <a:tc vMerge="1">
@@ -3617,10 +3653,9 @@
                     <a:lstStyle/>
                     <a:p>
                       <a:r>
-                        <a:rPr lang="en-US" dirty="0" smtClean="0"/>
+                        <a:rPr lang="en-US" dirty="0"/>
                         <a:t>Step 4</a:t>
                       </a:r>
-                      <a:endParaRPr lang="en-US" dirty="0"/>
                     </a:p>
                   </a:txBody>
                   <a:tcPr/>
@@ -3631,10 +3666,9 @@
                     <a:lstStyle/>
                     <a:p>
                       <a:r>
-                        <a:rPr lang="en-US" dirty="0" smtClean="0"/>
+                        <a:rPr lang="en-US" dirty="0"/>
                         <a:t>Functional programming refactors</a:t>
                       </a:r>
-                      <a:endParaRPr lang="en-US" dirty="0"/>
                     </a:p>
                   </a:txBody>
                   <a:tcPr/>
@@ -3645,14 +3679,18 @@
                     <a:lstStyle/>
                     <a:p>
                       <a:r>
-                        <a:rPr lang="en-US" dirty="0" smtClean="0"/>
+                        <a:rPr lang="en-US" dirty="0"/>
                         <a:t>Josu</a:t>
                       </a:r>
-                      <a:endParaRPr lang="en-US" dirty="0"/>
                     </a:p>
                   </a:txBody>
                   <a:tcPr/>
                 </a:tc>
+                <a:extLst>
+                  <a:ext uri="{0D108BD9-81ED-4DB2-BD59-A6C34878D82A}">
+                    <a16:rowId xmlns:a16="http://schemas.microsoft.com/office/drawing/2014/main" val="10008"/>
+                  </a:ext>
+                </a:extLst>
               </a:tr>
               <a:tr h="0">
                 <a:tc vMerge="1">
@@ -3671,10 +3709,9 @@
                     <a:lstStyle/>
                     <a:p>
                       <a:r>
-                        <a:rPr lang="en-US" dirty="0" smtClean="0"/>
+                        <a:rPr lang="en-US" dirty="0"/>
                         <a:t>Step 5</a:t>
                       </a:r>
-                      <a:endParaRPr lang="en-US" dirty="0"/>
                     </a:p>
                   </a:txBody>
                   <a:tcPr/>
@@ -3685,11 +3722,11 @@
                     <a:lstStyle/>
                     <a:p>
                       <a:r>
-                        <a:rPr lang="en-US" dirty="0" smtClean="0"/>
+                        <a:rPr lang="en-US" dirty="0"/>
                         <a:t>Decomposition</a:t>
                       </a:r>
                       <a:r>
-                        <a:rPr lang="en-US" baseline="0" dirty="0" smtClean="0"/>
+                        <a:rPr lang="en-US" baseline="0" dirty="0"/>
                         <a:t> and composition</a:t>
                       </a:r>
                       <a:endParaRPr lang="en-US" dirty="0"/>
@@ -3703,18 +3740,18 @@
                     <a:lstStyle/>
                     <a:p>
                       <a:r>
-                        <a:rPr lang="en-US" dirty="0" smtClean="0"/>
-                        <a:t>Andr</a:t>
+                        <a:rPr lang="en-US" dirty="0"/>
+                        <a:t>Andrés</a:t>
                       </a:r>
-                      <a:r>
-                        <a:rPr lang="en-US" dirty="0" smtClean="0"/>
-                        <a:t>és</a:t>
-                      </a:r>
-                      <a:endParaRPr lang="en-US" dirty="0"/>
                     </a:p>
                   </a:txBody>
                   <a:tcPr/>
                 </a:tc>
+                <a:extLst>
+                  <a:ext uri="{0D108BD9-81ED-4DB2-BD59-A6C34878D82A}">
+                    <a16:rowId xmlns:a16="http://schemas.microsoft.com/office/drawing/2014/main" val="10009"/>
+                  </a:ext>
+                </a:extLst>
               </a:tr>
               <a:tr h="370840">
                 <a:tc vMerge="1">
@@ -3733,10 +3770,9 @@
                     <a:lstStyle/>
                     <a:p>
                       <a:r>
-                        <a:rPr lang="en-US" dirty="0" smtClean="0"/>
+                        <a:rPr lang="en-US" dirty="0"/>
                         <a:t>Step 7</a:t>
                       </a:r>
-                      <a:endParaRPr lang="en-US" dirty="0"/>
                     </a:p>
                   </a:txBody>
                   <a:tcPr/>
@@ -3747,10 +3783,9 @@
                     <a:lstStyle/>
                     <a:p>
                       <a:r>
-                        <a:rPr lang="en-US" dirty="0" smtClean="0"/>
+                        <a:rPr lang="en-US" dirty="0"/>
                         <a:t>Extracted usable functions</a:t>
                       </a:r>
-                      <a:endParaRPr lang="en-US" dirty="0"/>
                     </a:p>
                   </a:txBody>
                   <a:tcPr/>
@@ -3761,18 +3796,18 @@
                     <a:lstStyle/>
                     <a:p>
                       <a:r>
-                        <a:rPr lang="en-US" dirty="0" smtClean="0"/>
-                        <a:t>Andr</a:t>
+                        <a:rPr lang="en-US" dirty="0"/>
+                        <a:t>Andrés</a:t>
                       </a:r>
-                      <a:r>
-                        <a:rPr lang="en-US" dirty="0" smtClean="0"/>
-                        <a:t>és</a:t>
-                      </a:r>
-                      <a:endParaRPr lang="en-US" dirty="0"/>
                     </a:p>
                   </a:txBody>
                   <a:tcPr/>
                 </a:tc>
+                <a:extLst>
+                  <a:ext uri="{0D108BD9-81ED-4DB2-BD59-A6C34878D82A}">
+                    <a16:rowId xmlns:a16="http://schemas.microsoft.com/office/drawing/2014/main" val="10010"/>
+                  </a:ext>
+                </a:extLst>
               </a:tr>
               <a:tr h="370840">
                 <a:tc>
@@ -3781,10 +3816,9 @@
                     <a:lstStyle/>
                     <a:p>
                       <a:r>
-                        <a:rPr lang="en-US" dirty="0" smtClean="0"/>
+                        <a:rPr lang="en-US" dirty="0"/>
                         <a:t>Questions</a:t>
                       </a:r>
-                      <a:endParaRPr lang="en-US" dirty="0"/>
                     </a:p>
                   </a:txBody>
                   <a:tcPr/>
@@ -3815,14 +3849,18 @@
                     <a:lstStyle/>
                     <a:p>
                       <a:r>
-                        <a:rPr lang="en-US" dirty="0" smtClean="0"/>
+                        <a:rPr lang="en-US" dirty="0"/>
                         <a:t>All</a:t>
                       </a:r>
-                      <a:endParaRPr lang="en-US" dirty="0"/>
                     </a:p>
                   </a:txBody>
                   <a:tcPr/>
                 </a:tc>
+                <a:extLst>
+                  <a:ext uri="{0D108BD9-81ED-4DB2-BD59-A6C34878D82A}">
+                    <a16:rowId xmlns:a16="http://schemas.microsoft.com/office/drawing/2014/main" val="10011"/>
+                  </a:ext>
+                </a:extLst>
               </a:tr>
             </a:tbl>
           </a:graphicData>
@@ -3874,10 +3912,9 @@
           <a:lstStyle/>
           <a:p>
             <a:r>
-              <a:rPr lang="en-US" dirty="0" smtClean="0"/>
+              <a:rPr lang="en-US" dirty="0"/>
               <a:t>Functional programming</a:t>
             </a:r>
-            <a:endParaRPr lang="en-US" dirty="0"/>
           </a:p>
         </p:txBody>
       </p:sp>
@@ -3896,7 +3933,10 @@
           <a:bodyPr/>
           <a:lstStyle/>
           <a:p>
-            <a:endParaRPr lang="en-US"/>
+            <a:r>
+              <a:rPr lang="en-US" dirty="0"/>
+              <a:t>String Calculator ES6 Refactor</a:t>
+            </a:r>
           </a:p>
         </p:txBody>
       </p:sp>
@@ -3953,43 +3993,47 @@
           <a:lstStyle/>
           <a:p>
             <a:r>
-              <a:rPr lang="en-US" dirty="0" smtClean="0"/>
-              <a:t>Contrast with imperative programming (sequence by sequence)</a:t>
-            </a:r>
-          </a:p>
-          <a:p>
-            <a:r>
-              <a:rPr lang="en-US" dirty="0" smtClean="0"/>
-              <a:t>Benefits of functional programming (FP)</a:t>
+              <a:rPr lang="en-US" dirty="0"/>
+              <a:t>Abstract from flow control and operations by using functions</a:t>
+            </a:r>
+          </a:p>
+          <a:p>
+            <a:endParaRPr lang="en-US" dirty="0"/>
+          </a:p>
+          <a:p>
+            <a:r>
+              <a:rPr lang="en-US" dirty="0"/>
+              <a:t>Declarative vs Imperative</a:t>
+            </a:r>
+          </a:p>
+          <a:p>
+            <a:endParaRPr lang="en-US" dirty="0"/>
+          </a:p>
+          <a:p>
+            <a:r>
+              <a:rPr lang="en-US" dirty="0"/>
+              <a:t>Benefits</a:t>
             </a:r>
           </a:p>
           <a:p>
             <a:pPr lvl="1"/>
             <a:r>
-              <a:rPr lang="en-US" dirty="0" smtClean="0"/>
-              <a:t>Abstract from flow control and operations by using functions</a:t>
+              <a:rPr lang="en-US" dirty="0"/>
+              <a:t>More expressive (readability)</a:t>
             </a:r>
           </a:p>
           <a:p>
             <a:pPr lvl="1"/>
             <a:r>
-              <a:rPr lang="en-US" dirty="0" smtClean="0"/>
-              <a:t>More expressive (readability)</a:t>
+              <a:rPr lang="en-US" dirty="0"/>
+              <a:t>Easier testing</a:t>
             </a:r>
           </a:p>
           <a:p>
             <a:pPr lvl="1"/>
             <a:r>
-              <a:rPr lang="en-US" dirty="0" smtClean="0"/>
+              <a:rPr lang="en-US" dirty="0"/>
               <a:t>Less mistakes</a:t>
-            </a:r>
-            <a:endParaRPr lang="en-US" dirty="0" smtClean="0"/>
-          </a:p>
-          <a:p>
-            <a:pPr lvl="1"/>
-            <a:r>
-              <a:rPr lang="en-US" dirty="0" smtClean="0"/>
-              <a:t>And..</a:t>
             </a:r>
           </a:p>
         </p:txBody>
@@ -4026,29 +4070,6 @@
       </p:grpSpPr>
       <p:sp>
         <p:nvSpPr>
-          <p:cNvPr id="2" name="Title 1"/>
-          <p:cNvSpPr>
-            <a:spLocks noGrp="1"/>
-          </p:cNvSpPr>
-          <p:nvPr>
-            <p:ph type="title"/>
-          </p:nvPr>
-        </p:nvSpPr>
-        <p:spPr/>
-        <p:txBody>
-          <a:bodyPr/>
-          <a:lstStyle/>
-          <a:p>
-            <a:r>
-              <a:rPr lang="en-US" dirty="0" smtClean="0"/>
-              <a:t>Pure functions</a:t>
-            </a:r>
-            <a:endParaRPr lang="en-US" dirty="0"/>
-          </a:p>
-        </p:txBody>
-      </p:sp>
-      <p:sp>
-        <p:nvSpPr>
           <p:cNvPr id="3" name="Content Placeholder 2"/>
           <p:cNvSpPr>
             <a:spLocks noGrp="1"/>
@@ -4057,43 +4078,65 @@
             <p:ph idx="1"/>
           </p:nvPr>
         </p:nvSpPr>
-        <p:spPr/>
+        <p:spPr>
+          <a:xfrm>
+            <a:off x="457200" y="580930"/>
+            <a:ext cx="8229600" cy="5545234"/>
+          </a:xfrm>
+        </p:spPr>
         <p:txBody>
           <a:bodyPr>
             <a:normAutofit/>
           </a:bodyPr>
           <a:lstStyle/>
           <a:p>
-            <a:pPr marL="0" indent="0">
-              <a:buNone/>
-            </a:pPr>
-            <a:r>
-              <a:rPr lang="en-US" dirty="0" smtClean="0"/>
-              <a:t>Split into small logic blocks (functions)</a:t>
-            </a:r>
-          </a:p>
-          <a:p>
-            <a:endParaRPr lang="en-US" dirty="0" smtClean="0"/>
-          </a:p>
-          <a:p>
-            <a:pPr marL="0" indent="0">
-              <a:buNone/>
-            </a:pPr>
-            <a:r>
-              <a:rPr lang="en-US" dirty="0" smtClean="0"/>
-              <a:t>A pure function is a function that:</a:t>
-            </a:r>
-          </a:p>
-          <a:p>
-            <a:r>
-              <a:rPr lang="en-US" dirty="0" smtClean="0"/>
-              <a:t>Given the same input, will always return the same output.</a:t>
-            </a:r>
-          </a:p>
-          <a:p>
-            <a:r>
-              <a:rPr lang="en-US" dirty="0" smtClean="0"/>
-              <a:t>Produces no side effects</a:t>
+            <a:r>
+              <a:rPr lang="en-US" dirty="0"/>
+              <a:t>Principles</a:t>
+            </a:r>
+          </a:p>
+          <a:p>
+            <a:pPr lvl="1"/>
+            <a:r>
+              <a:rPr lang="en-US" dirty="0"/>
+              <a:t>Pure functions</a:t>
+            </a:r>
+          </a:p>
+          <a:p>
+            <a:pPr lvl="1"/>
+            <a:r>
+              <a:rPr lang="en-US" dirty="0"/>
+              <a:t>Function composition</a:t>
+            </a:r>
+          </a:p>
+          <a:p>
+            <a:pPr lvl="1"/>
+            <a:r>
+              <a:rPr lang="en-US" dirty="0"/>
+              <a:t>Avoid shared state</a:t>
+            </a:r>
+          </a:p>
+          <a:p>
+            <a:pPr lvl="1"/>
+            <a:r>
+              <a:rPr lang="en-US" dirty="0"/>
+              <a:t>Avoid mutating state</a:t>
+            </a:r>
+          </a:p>
+          <a:p>
+            <a:pPr lvl="1"/>
+            <a:r>
+              <a:rPr lang="en-US" dirty="0"/>
+              <a:t>Avoid side effects</a:t>
+            </a:r>
+          </a:p>
+          <a:p>
+            <a:endParaRPr lang="en-US" dirty="0"/>
+          </a:p>
+          <a:p>
+            <a:r>
+              <a:rPr lang="en-US" dirty="0"/>
+              <a:t>It is not worse or better than other techniques, it is just another tool</a:t>
             </a:r>
           </a:p>
         </p:txBody>
@@ -4101,7 +4144,7 @@
     </p:spTree>
     <p:extLst>
       <p:ext uri="{BB962C8B-B14F-4D97-AF65-F5344CB8AC3E}">
-        <p14:creationId xmlns:p14="http://schemas.microsoft.com/office/powerpoint/2010/main" val="3942077140"/>
+        <p14:creationId xmlns:p14="http://schemas.microsoft.com/office/powerpoint/2010/main" val="2894785665"/>
       </p:ext>
     </p:extLst>
   </p:cSld>
@@ -4144,51 +4187,78 @@
           <a:lstStyle/>
           <a:p>
             <a:r>
-              <a:rPr lang="en-US" dirty="0" smtClean="0"/>
-              <a:t>Immutability</a:t>
-            </a:r>
+              <a:rPr lang="en-US" dirty="0"/>
+              <a:t>String Calculator Kata</a:t>
+            </a:r>
+          </a:p>
+        </p:txBody>
+      </p:sp>
+      <p:sp>
+        <p:nvSpPr>
+          <p:cNvPr id="3" name="Content Placeholder 2"/>
+          <p:cNvSpPr>
+            <a:spLocks noGrp="1"/>
+          </p:cNvSpPr>
+          <p:nvPr>
+            <p:ph idx="1"/>
+          </p:nvPr>
+        </p:nvSpPr>
+        <p:spPr/>
+        <p:txBody>
+          <a:bodyPr>
+            <a:normAutofit/>
+          </a:bodyPr>
+          <a:lstStyle/>
+          <a:p>
+            <a:pPr marL="0" indent="0">
+              <a:buNone/>
+            </a:pPr>
+            <a:r>
+              <a:rPr lang="en-US" dirty="0" err="1"/>
+              <a:t>Int</a:t>
+            </a:r>
+            <a:r>
+              <a:rPr lang="en-US" dirty="0"/>
+              <a:t> add(String text)</a:t>
+            </a:r>
+          </a:p>
+          <a:p>
+            <a:pPr marL="0" indent="0">
+              <a:buNone/>
+            </a:pPr>
             <a:endParaRPr lang="en-US" dirty="0"/>
           </a:p>
-        </p:txBody>
-      </p:sp>
-      <p:sp>
-        <p:nvSpPr>
-          <p:cNvPr id="3" name="Content Placeholder 2"/>
-          <p:cNvSpPr>
-            <a:spLocks noGrp="1"/>
-          </p:cNvSpPr>
-          <p:nvPr>
-            <p:ph idx="1"/>
-          </p:nvPr>
-        </p:nvSpPr>
-        <p:spPr/>
-        <p:txBody>
-          <a:bodyPr/>
-          <a:lstStyle/>
-          <a:p>
-            <a:r>
-              <a:rPr lang="en-US" dirty="0" smtClean="0"/>
-              <a:t>Many bugs in our applications due to a bad state control.</a:t>
-            </a:r>
-          </a:p>
-          <a:p>
-            <a:r>
-              <a:rPr lang="en-US" dirty="0" smtClean="0"/>
-              <a:t>JavaScript problem:</a:t>
-            </a:r>
-          </a:p>
-          <a:p>
-            <a:pPr lvl="1"/>
-            <a:r>
-              <a:rPr lang="en-US" dirty="0" smtClean="0"/>
-              <a:t>Basic types are immutable</a:t>
-            </a:r>
-          </a:p>
-          <a:p>
-            <a:pPr lvl="1"/>
-            <a:r>
-              <a:rPr lang="en-US" dirty="0" smtClean="0"/>
-              <a:t>Objects &amp; Arrays are mutable.</a:t>
+          <a:p>
+            <a:pPr marL="0" indent="0">
+              <a:buNone/>
+            </a:pPr>
+            <a:r>
+              <a:rPr lang="en-US" dirty="0"/>
+              <a:t>“//[delimiter]\n[text…]”</a:t>
+            </a:r>
+          </a:p>
+          <a:p>
+            <a:endParaRPr lang="en-US" dirty="0"/>
+          </a:p>
+          <a:p>
+            <a:pPr marL="0" indent="0">
+              <a:buNone/>
+            </a:pPr>
+            <a:r>
+              <a:rPr lang="en-US" dirty="0"/>
+              <a:t>Conditions</a:t>
+            </a:r>
+          </a:p>
+          <a:p>
+            <a:r>
+              <a:rPr lang="en-US" dirty="0"/>
+              <a:t>Negative numbers -&gt; exception</a:t>
+            </a:r>
+          </a:p>
+          <a:p>
+            <a:r>
+              <a:rPr lang="en-US" dirty="0"/>
+              <a:t>Numbers &gt; 1000 -&gt; ignored</a:t>
             </a:r>
           </a:p>
         </p:txBody>
@@ -4196,7 +4266,7 @@
     </p:spTree>
     <p:extLst>
       <p:ext uri="{BB962C8B-B14F-4D97-AF65-F5344CB8AC3E}">
-        <p14:creationId xmlns:p14="http://schemas.microsoft.com/office/powerpoint/2010/main" val="1924109172"/>
+        <p14:creationId xmlns:p14="http://schemas.microsoft.com/office/powerpoint/2010/main" val="3942077140"/>
       </p:ext>
     </p:extLst>
   </p:cSld>
@@ -4225,6 +4295,299 @@
       </p:grpSpPr>
       <p:sp>
         <p:nvSpPr>
+          <p:cNvPr id="2" name="Title 1"/>
+          <p:cNvSpPr>
+            <a:spLocks noGrp="1"/>
+          </p:cNvSpPr>
+          <p:nvPr>
+            <p:ph type="title"/>
+          </p:nvPr>
+        </p:nvSpPr>
+        <p:spPr/>
+        <p:txBody>
+          <a:bodyPr/>
+          <a:lstStyle/>
+          <a:p>
+            <a:r>
+              <a:rPr lang="en-US" dirty="0"/>
+              <a:t>Pure functions</a:t>
+            </a:r>
+          </a:p>
+        </p:txBody>
+      </p:sp>
+      <p:sp>
+        <p:nvSpPr>
+          <p:cNvPr id="3" name="Content Placeholder 2"/>
+          <p:cNvSpPr>
+            <a:spLocks noGrp="1"/>
+          </p:cNvSpPr>
+          <p:nvPr>
+            <p:ph idx="1"/>
+          </p:nvPr>
+        </p:nvSpPr>
+        <p:spPr/>
+        <p:txBody>
+          <a:bodyPr>
+            <a:normAutofit fontScale="92500" lnSpcReduction="10000"/>
+          </a:bodyPr>
+          <a:lstStyle/>
+          <a:p>
+            <a:r>
+              <a:rPr lang="en-US" dirty="0"/>
+              <a:t>Split into small logic blocks (functions)</a:t>
+            </a:r>
+          </a:p>
+          <a:p>
+            <a:endParaRPr lang="en-US" dirty="0"/>
+          </a:p>
+          <a:p>
+            <a:r>
+              <a:rPr lang="en-US" dirty="0"/>
+              <a:t>A pure function is a function that</a:t>
+            </a:r>
+          </a:p>
+          <a:p>
+            <a:pPr lvl="1"/>
+            <a:r>
+              <a:rPr lang="en-US" dirty="0"/>
+              <a:t>Same input -&gt; Same output</a:t>
+            </a:r>
+          </a:p>
+          <a:p>
+            <a:pPr marL="457200" lvl="1" indent="0" algn="r">
+              <a:buNone/>
+            </a:pPr>
+            <a:r>
+              <a:rPr lang="en-US" sz="2200" dirty="0">
+                <a:solidFill>
+                  <a:schemeClr val="tx1">
+                    <a:lumMod val="50000"/>
+                    <a:lumOff val="50000"/>
+                  </a:schemeClr>
+                </a:solidFill>
+              </a:rPr>
+              <a:t>Independent of states or information that may change during the execution of the program</a:t>
+            </a:r>
+          </a:p>
+          <a:p>
+            <a:pPr lvl="1"/>
+            <a:r>
+              <a:rPr lang="en-US" dirty="0"/>
+              <a:t>Produces no side effects</a:t>
+            </a:r>
+          </a:p>
+          <a:p>
+            <a:pPr marL="0" indent="0" algn="r">
+              <a:buNone/>
+            </a:pPr>
+            <a:r>
+              <a:rPr lang="en-US" sz="2200" dirty="0">
+                <a:solidFill>
+                  <a:schemeClr val="tx1">
+                    <a:lumMod val="50000"/>
+                    <a:lumOff val="50000"/>
+                  </a:schemeClr>
+                </a:solidFill>
+              </a:rPr>
+              <a:t>Network request, printing to a screen, data mutation…</a:t>
+            </a:r>
+          </a:p>
+          <a:p>
+            <a:endParaRPr lang="en-US" dirty="0"/>
+          </a:p>
+          <a:p>
+            <a:r>
+              <a:rPr lang="en-US" dirty="0"/>
+              <a:t>A pure function can call another pure function</a:t>
+            </a:r>
+          </a:p>
+        </p:txBody>
+      </p:sp>
+    </p:spTree>
+    <p:extLst>
+      <p:ext uri="{BB962C8B-B14F-4D97-AF65-F5344CB8AC3E}">
+        <p14:creationId xmlns:p14="http://schemas.microsoft.com/office/powerpoint/2010/main" val="3021765818"/>
+      </p:ext>
+    </p:extLst>
+  </p:cSld>
+  <p:clrMapOvr>
+    <a:masterClrMapping/>
+  </p:clrMapOvr>
+</p:sld>
+</file>
+
+<file path=ppt/slides/slide7.xml><?xml version="1.0" encoding="utf-8"?>
+<p:sld xmlns:a="http://schemas.openxmlformats.org/drawingml/2006/main" xmlns:r="http://schemas.openxmlformats.org/officeDocument/2006/relationships" xmlns:p="http://schemas.openxmlformats.org/presentationml/2006/main">
+  <p:cSld>
+    <p:spTree>
+      <p:nvGrpSpPr>
+        <p:cNvPr id="1" name=""/>
+        <p:cNvGrpSpPr/>
+        <p:nvPr/>
+      </p:nvGrpSpPr>
+      <p:grpSpPr>
+        <a:xfrm>
+          <a:off x="0" y="0"/>
+          <a:ext cx="0" cy="0"/>
+          <a:chOff x="0" y="0"/>
+          <a:chExt cx="0" cy="0"/>
+        </a:xfrm>
+      </p:grpSpPr>
+      <p:sp>
+        <p:nvSpPr>
+          <p:cNvPr id="2" name="Title 1"/>
+          <p:cNvSpPr>
+            <a:spLocks noGrp="1"/>
+          </p:cNvSpPr>
+          <p:nvPr>
+            <p:ph type="title"/>
+          </p:nvPr>
+        </p:nvSpPr>
+        <p:spPr/>
+        <p:txBody>
+          <a:bodyPr/>
+          <a:lstStyle/>
+          <a:p>
+            <a:r>
+              <a:rPr lang="en-US" dirty="0"/>
+              <a:t>Immutability</a:t>
+            </a:r>
+          </a:p>
+        </p:txBody>
+      </p:sp>
+      <p:sp>
+        <p:nvSpPr>
+          <p:cNvPr id="3" name="Content Placeholder 2"/>
+          <p:cNvSpPr>
+            <a:spLocks noGrp="1"/>
+          </p:cNvSpPr>
+          <p:nvPr>
+            <p:ph idx="1"/>
+          </p:nvPr>
+        </p:nvSpPr>
+        <p:spPr/>
+        <p:txBody>
+          <a:bodyPr>
+            <a:normAutofit/>
+          </a:bodyPr>
+          <a:lstStyle/>
+          <a:p>
+            <a:r>
+              <a:rPr lang="en-US" dirty="0"/>
+              <a:t>Control of state changes</a:t>
+            </a:r>
+          </a:p>
+          <a:p>
+            <a:endParaRPr lang="en-US" dirty="0"/>
+          </a:p>
+          <a:p>
+            <a:r>
+              <a:rPr lang="en-US" dirty="0"/>
+              <a:t>Cannot be modified once created</a:t>
+            </a:r>
+          </a:p>
+          <a:p>
+            <a:pPr marL="0" indent="0">
+              <a:buNone/>
+            </a:pPr>
+            <a:endParaRPr lang="en-US" dirty="0"/>
+          </a:p>
+          <a:p>
+            <a:r>
+              <a:rPr lang="en-US" dirty="0"/>
+              <a:t>JavaScript problem:</a:t>
+            </a:r>
+          </a:p>
+          <a:p>
+            <a:pPr lvl="1"/>
+            <a:r>
+              <a:rPr lang="en-US" dirty="0"/>
+              <a:t>Basic types are immutable</a:t>
+            </a:r>
+          </a:p>
+          <a:p>
+            <a:pPr lvl="1"/>
+            <a:r>
+              <a:rPr lang="en-US" dirty="0"/>
+              <a:t>Objects and Arrays are mutable</a:t>
+            </a:r>
+          </a:p>
+          <a:p>
+            <a:pPr marL="457200" lvl="1" indent="0" algn="r">
+              <a:buNone/>
+            </a:pPr>
+            <a:r>
+              <a:rPr lang="en-US" sz="2000" dirty="0">
+                <a:solidFill>
+                  <a:schemeClr val="tx1">
+                    <a:lumMod val="50000"/>
+                    <a:lumOff val="50000"/>
+                  </a:schemeClr>
+                </a:solidFill>
+              </a:rPr>
+              <a:t>JavaScript libraries: </a:t>
+            </a:r>
+            <a:r>
+              <a:rPr lang="en-US" sz="2000" dirty="0" err="1">
+                <a:solidFill>
+                  <a:schemeClr val="tx1">
+                    <a:lumMod val="50000"/>
+                    <a:lumOff val="50000"/>
+                  </a:schemeClr>
+                </a:solidFill>
+              </a:rPr>
+              <a:t>Immutable.js</a:t>
+            </a:r>
+            <a:r>
+              <a:rPr lang="en-US" sz="2000" dirty="0">
+                <a:solidFill>
+                  <a:schemeClr val="tx1">
+                    <a:lumMod val="50000"/>
+                    <a:lumOff val="50000"/>
+                  </a:schemeClr>
+                </a:solidFill>
+              </a:rPr>
+              <a:t> and Mori</a:t>
+            </a:r>
+          </a:p>
+          <a:p>
+            <a:pPr lvl="1"/>
+            <a:endParaRPr lang="en-US" dirty="0"/>
+          </a:p>
+        </p:txBody>
+      </p:sp>
+    </p:spTree>
+    <p:extLst>
+      <p:ext uri="{BB962C8B-B14F-4D97-AF65-F5344CB8AC3E}">
+        <p14:creationId xmlns:p14="http://schemas.microsoft.com/office/powerpoint/2010/main" val="1924109172"/>
+      </p:ext>
+    </p:extLst>
+  </p:cSld>
+  <p:clrMapOvr>
+    <a:masterClrMapping/>
+  </p:clrMapOvr>
+</p:sld>
+</file>
+
+<file path=ppt/slides/slide8.xml><?xml version="1.0" encoding="utf-8"?>
+<p:sld xmlns:a="http://schemas.openxmlformats.org/drawingml/2006/main" xmlns:r="http://schemas.openxmlformats.org/officeDocument/2006/relationships" xmlns:p="http://schemas.openxmlformats.org/presentationml/2006/main">
+  <p:cSld>
+    <p:spTree>
+      <p:nvGrpSpPr>
+        <p:cNvPr id="1" name=""/>
+        <p:cNvGrpSpPr/>
+        <p:nvPr/>
+      </p:nvGrpSpPr>
+      <p:grpSpPr>
+        <a:xfrm>
+          <a:off x="0" y="0"/>
+          <a:ext cx="0" cy="0"/>
+          <a:chOff x="0" y="0"/>
+          <a:chExt cx="0" cy="0"/>
+        </a:xfrm>
+      </p:grpSpPr>
+      <p:sp>
+        <p:nvSpPr>
           <p:cNvPr id="3" name="Content Placeholder 2"/>
           <p:cNvSpPr>
             <a:spLocks noGrp="1"/>
@@ -4245,15 +4608,15 @@
           <a:p>
             <a:pPr lvl="1"/>
             <a:r>
-              <a:rPr lang="en-US" dirty="0" smtClean="0"/>
+              <a:rPr lang="en-US" dirty="0"/>
               <a:t>Declarative </a:t>
             </a:r>
             <a:r>
-              <a:rPr lang="en-US" dirty="0" err="1" smtClean="0"/>
+              <a:rPr lang="en-US" dirty="0" err="1"/>
               <a:t>vs</a:t>
             </a:r>
             <a:r>
-              <a:rPr lang="en-US" dirty="0" smtClean="0"/>
+              <a:rPr lang="en-US" dirty="0"/>
               <a:t> Imperative</a:t>
             </a:r>
           </a:p>
@@ -4263,7 +4626,7 @@
           </a:p>
           <a:p>
             <a:pPr lvl="1"/>
-            <a:endParaRPr lang="en-US" dirty="0" smtClean="0"/>
+            <a:endParaRPr lang="en-US" dirty="0"/>
           </a:p>
         </p:txBody>
       </p:sp>
@@ -4340,7 +4703,7 @@
 </p:sld>
 </file>
 
-<file path=ppt/slides/slide7.xml><?xml version="1.0" encoding="utf-8"?>
+<file path=ppt/slides/slide9.xml><?xml version="1.0" encoding="utf-8"?>
 <p:sld xmlns:a="http://schemas.openxmlformats.org/drawingml/2006/main" xmlns:r="http://schemas.openxmlformats.org/officeDocument/2006/relationships" xmlns:p="http://schemas.openxmlformats.org/presentationml/2006/main">
   <p:cSld>
     <p:spTree>
@@ -4373,10 +4736,9 @@
           <a:lstStyle/>
           <a:p>
             <a:r>
-              <a:rPr lang="en-US" dirty="0" smtClean="0"/>
+              <a:rPr lang="en-US" dirty="0"/>
               <a:t>Composition and decomposition</a:t>
             </a:r>
-            <a:endParaRPr lang="en-US" dirty="0"/>
           </a:p>
         </p:txBody>
       </p:sp>
@@ -4396,30 +4758,29 @@
           <a:lstStyle/>
           <a:p>
             <a:r>
-              <a:rPr lang="en-US" dirty="0" smtClean="0"/>
+              <a:rPr lang="en-US" dirty="0"/>
               <a:t>Decomposition</a:t>
             </a:r>
           </a:p>
           <a:p>
             <a:pPr lvl="1"/>
             <a:r>
-              <a:rPr lang="en-US" dirty="0" smtClean="0"/>
+              <a:rPr lang="en-US" dirty="0"/>
               <a:t>Into small units (functions) that perform specific actions.</a:t>
             </a:r>
           </a:p>
           <a:p>
             <a:r>
-              <a:rPr lang="en-US" dirty="0" smtClean="0"/>
+              <a:rPr lang="en-US" dirty="0"/>
               <a:t>Composition</a:t>
             </a:r>
           </a:p>
           <a:p>
             <a:pPr lvl="1"/>
             <a:r>
-              <a:rPr lang="en-US" dirty="0" smtClean="0"/>
+              <a:rPr lang="en-US" dirty="0"/>
               <a:t>Of those units to build programs.</a:t>
             </a:r>
-            <a:endParaRPr lang="en-US" dirty="0"/>
           </a:p>
         </p:txBody>
       </p:sp>
